--- a/doc/Ben-Peter-Sarah-UPDATED=_HaZelcast-2015-JAN-27_PRES.pptx
+++ b/doc/Ben-Peter-Sarah-UPDATED=_HaZelcast-2015-JAN-27_PRES.pptx
@@ -287,7 +287,7 @@
         <p:nvSpPr>
           <p:cNvPr id="40963" name="Rectangle 2"/>
           <p:cNvSpPr>
-            <a:spLocks noGrp="1" noChangeArrowheads="1"/>
+            <a:spLocks noGrp="1" noRot="1" noChangeAspect="1" noChangeArrowheads="1"/>
           </p:cNvSpPr>
           <p:nvPr>
             <p:ph type="sldImg"/>
@@ -588,7 +588,7 @@
         <p:nvSpPr>
           <p:cNvPr id="41986" name="Rectangle 1"/>
           <p:cNvSpPr>
-            <a:spLocks noChangeArrowheads="1" noTextEdit="1"/>
+            <a:spLocks noGrp="1" noRot="1" noChangeAspect="1" noChangeArrowheads="1" noTextEdit="1"/>
           </p:cNvSpPr>
           <p:nvPr>
             <p:ph type="sldImg"/>
@@ -718,7 +718,7 @@
         <p:nvSpPr>
           <p:cNvPr id="51202" name="Rectangle 1"/>
           <p:cNvSpPr>
-            <a:spLocks noChangeArrowheads="1" noTextEdit="1"/>
+            <a:spLocks noGrp="1" noRot="1" noChangeAspect="1" noChangeArrowheads="1" noTextEdit="1"/>
           </p:cNvSpPr>
           <p:nvPr>
             <p:ph type="sldImg"/>
@@ -848,7 +848,7 @@
         <p:nvSpPr>
           <p:cNvPr id="52226" name="Rectangle 1"/>
           <p:cNvSpPr>
-            <a:spLocks noChangeArrowheads="1" noTextEdit="1"/>
+            <a:spLocks noGrp="1" noRot="1" noChangeAspect="1" noChangeArrowheads="1" noTextEdit="1"/>
           </p:cNvSpPr>
           <p:nvPr>
             <p:ph type="sldImg"/>
@@ -978,7 +978,7 @@
         <p:nvSpPr>
           <p:cNvPr id="53250" name="Rectangle 1"/>
           <p:cNvSpPr>
-            <a:spLocks noChangeArrowheads="1" noTextEdit="1"/>
+            <a:spLocks noGrp="1" noRot="1" noChangeAspect="1" noChangeArrowheads="1" noTextEdit="1"/>
           </p:cNvSpPr>
           <p:nvPr>
             <p:ph type="sldImg"/>
@@ -1108,7 +1108,7 @@
         <p:nvSpPr>
           <p:cNvPr id="54274" name="Rectangle 1"/>
           <p:cNvSpPr>
-            <a:spLocks noChangeArrowheads="1" noTextEdit="1"/>
+            <a:spLocks noGrp="1" noRot="1" noChangeAspect="1" noChangeArrowheads="1" noTextEdit="1"/>
           </p:cNvSpPr>
           <p:nvPr>
             <p:ph type="sldImg"/>
@@ -1238,7 +1238,7 @@
         <p:nvSpPr>
           <p:cNvPr id="55298" name="Rectangle 1"/>
           <p:cNvSpPr>
-            <a:spLocks noChangeArrowheads="1" noTextEdit="1"/>
+            <a:spLocks noGrp="1" noRot="1" noChangeAspect="1" noChangeArrowheads="1" noTextEdit="1"/>
           </p:cNvSpPr>
           <p:nvPr>
             <p:ph type="sldImg"/>
@@ -1368,7 +1368,7 @@
         <p:nvSpPr>
           <p:cNvPr id="56322" name="Rectangle 1"/>
           <p:cNvSpPr>
-            <a:spLocks noChangeArrowheads="1" noTextEdit="1"/>
+            <a:spLocks noGrp="1" noRot="1" noChangeAspect="1" noChangeArrowheads="1" noTextEdit="1"/>
           </p:cNvSpPr>
           <p:nvPr>
             <p:ph type="sldImg"/>
@@ -1498,7 +1498,7 @@
         <p:nvSpPr>
           <p:cNvPr id="57346" name="Rectangle 1"/>
           <p:cNvSpPr>
-            <a:spLocks noChangeArrowheads="1" noTextEdit="1"/>
+            <a:spLocks noGrp="1" noRot="1" noChangeAspect="1" noChangeArrowheads="1" noTextEdit="1"/>
           </p:cNvSpPr>
           <p:nvPr>
             <p:ph type="sldImg"/>
@@ -1628,7 +1628,7 @@
         <p:nvSpPr>
           <p:cNvPr id="58370" name="Rectangle 1"/>
           <p:cNvSpPr>
-            <a:spLocks noChangeArrowheads="1" noTextEdit="1"/>
+            <a:spLocks noGrp="1" noRot="1" noChangeAspect="1" noChangeArrowheads="1" noTextEdit="1"/>
           </p:cNvSpPr>
           <p:nvPr>
             <p:ph type="sldImg"/>
@@ -1758,7 +1758,7 @@
         <p:nvSpPr>
           <p:cNvPr id="59394" name="Rectangle 1"/>
           <p:cNvSpPr>
-            <a:spLocks noChangeArrowheads="1" noTextEdit="1"/>
+            <a:spLocks noGrp="1" noRot="1" noChangeAspect="1" noChangeArrowheads="1" noTextEdit="1"/>
           </p:cNvSpPr>
           <p:nvPr>
             <p:ph type="sldImg"/>
@@ -1888,7 +1888,7 @@
         <p:nvSpPr>
           <p:cNvPr id="60418" name="Rectangle 1"/>
           <p:cNvSpPr>
-            <a:spLocks noChangeArrowheads="1" noTextEdit="1"/>
+            <a:spLocks noGrp="1" noRot="1" noChangeAspect="1" noChangeArrowheads="1" noTextEdit="1"/>
           </p:cNvSpPr>
           <p:nvPr>
             <p:ph type="sldImg"/>
@@ -2018,7 +2018,7 @@
         <p:nvSpPr>
           <p:cNvPr id="43010" name="Rectangle 1"/>
           <p:cNvSpPr>
-            <a:spLocks noChangeArrowheads="1" noTextEdit="1"/>
+            <a:spLocks noGrp="1" noRot="1" noChangeAspect="1" noChangeArrowheads="1" noTextEdit="1"/>
           </p:cNvSpPr>
           <p:nvPr>
             <p:ph type="sldImg"/>
@@ -2148,7 +2148,7 @@
         <p:nvSpPr>
           <p:cNvPr id="61442" name="Rectangle 1"/>
           <p:cNvSpPr>
-            <a:spLocks noChangeArrowheads="1" noTextEdit="1"/>
+            <a:spLocks noGrp="1" noRot="1" noChangeAspect="1" noChangeArrowheads="1" noTextEdit="1"/>
           </p:cNvSpPr>
           <p:nvPr>
             <p:ph type="sldImg"/>
@@ -2278,7 +2278,7 @@
         <p:nvSpPr>
           <p:cNvPr id="62466" name="Rectangle 1"/>
           <p:cNvSpPr>
-            <a:spLocks noChangeArrowheads="1" noTextEdit="1"/>
+            <a:spLocks noGrp="1" noRot="1" noChangeAspect="1" noChangeArrowheads="1" noTextEdit="1"/>
           </p:cNvSpPr>
           <p:nvPr>
             <p:ph type="sldImg"/>
@@ -2408,7 +2408,7 @@
         <p:nvSpPr>
           <p:cNvPr id="63490" name="Rectangle 1"/>
           <p:cNvSpPr>
-            <a:spLocks noChangeArrowheads="1" noTextEdit="1"/>
+            <a:spLocks noGrp="1" noRot="1" noChangeAspect="1" noChangeArrowheads="1" noTextEdit="1"/>
           </p:cNvSpPr>
           <p:nvPr>
             <p:ph type="sldImg"/>
@@ -2538,7 +2538,7 @@
         <p:nvSpPr>
           <p:cNvPr id="64514" name="Rectangle 1"/>
           <p:cNvSpPr>
-            <a:spLocks noChangeArrowheads="1" noTextEdit="1"/>
+            <a:spLocks noGrp="1" noRot="1" noChangeAspect="1" noChangeArrowheads="1" noTextEdit="1"/>
           </p:cNvSpPr>
           <p:nvPr>
             <p:ph type="sldImg"/>
@@ -2668,7 +2668,7 @@
         <p:nvSpPr>
           <p:cNvPr id="65538" name="Rectangle 1"/>
           <p:cNvSpPr>
-            <a:spLocks noChangeArrowheads="1" noTextEdit="1"/>
+            <a:spLocks noGrp="1" noRot="1" noChangeAspect="1" noChangeArrowheads="1" noTextEdit="1"/>
           </p:cNvSpPr>
           <p:nvPr>
             <p:ph type="sldImg"/>
@@ -2798,7 +2798,7 @@
         <p:nvSpPr>
           <p:cNvPr id="66562" name="Rectangle 1"/>
           <p:cNvSpPr>
-            <a:spLocks noChangeArrowheads="1" noTextEdit="1"/>
+            <a:spLocks noGrp="1" noRot="1" noChangeAspect="1" noChangeArrowheads="1" noTextEdit="1"/>
           </p:cNvSpPr>
           <p:nvPr>
             <p:ph type="sldImg"/>
@@ -2928,7 +2928,7 @@
         <p:nvSpPr>
           <p:cNvPr id="67586" name="Rectangle 1"/>
           <p:cNvSpPr>
-            <a:spLocks noChangeArrowheads="1" noTextEdit="1"/>
+            <a:spLocks noGrp="1" noRot="1" noChangeAspect="1" noChangeArrowheads="1" noTextEdit="1"/>
           </p:cNvSpPr>
           <p:nvPr>
             <p:ph type="sldImg"/>
@@ -3058,7 +3058,7 @@
         <p:nvSpPr>
           <p:cNvPr id="68610" name="Rectangle 1"/>
           <p:cNvSpPr>
-            <a:spLocks noChangeArrowheads="1" noTextEdit="1"/>
+            <a:spLocks noGrp="1" noRot="1" noChangeAspect="1" noChangeArrowheads="1" noTextEdit="1"/>
           </p:cNvSpPr>
           <p:nvPr>
             <p:ph type="sldImg"/>
@@ -3188,7 +3188,7 @@
         <p:nvSpPr>
           <p:cNvPr id="69634" name="Rectangle 1"/>
           <p:cNvSpPr>
-            <a:spLocks noChangeArrowheads="1" noTextEdit="1"/>
+            <a:spLocks noGrp="1" noRot="1" noChangeAspect="1" noChangeArrowheads="1" noTextEdit="1"/>
           </p:cNvSpPr>
           <p:nvPr>
             <p:ph type="sldImg"/>
@@ -3318,7 +3318,7 @@
         <p:nvSpPr>
           <p:cNvPr id="70658" name="Rectangle 1"/>
           <p:cNvSpPr>
-            <a:spLocks noChangeArrowheads="1" noTextEdit="1"/>
+            <a:spLocks noGrp="1" noRot="1" noChangeAspect="1" noChangeArrowheads="1" noTextEdit="1"/>
           </p:cNvSpPr>
           <p:nvPr>
             <p:ph type="sldImg"/>
@@ -3448,7 +3448,7 @@
         <p:nvSpPr>
           <p:cNvPr id="44034" name="Rectangle 1"/>
           <p:cNvSpPr>
-            <a:spLocks noChangeArrowheads="1" noTextEdit="1"/>
+            <a:spLocks noGrp="1" noRot="1" noChangeAspect="1" noChangeArrowheads="1" noTextEdit="1"/>
           </p:cNvSpPr>
           <p:nvPr>
             <p:ph type="sldImg"/>
@@ -3578,7 +3578,7 @@
         <p:nvSpPr>
           <p:cNvPr id="71682" name="Rectangle 1"/>
           <p:cNvSpPr>
-            <a:spLocks noChangeArrowheads="1" noTextEdit="1"/>
+            <a:spLocks noGrp="1" noRot="1" noChangeAspect="1" noChangeArrowheads="1" noTextEdit="1"/>
           </p:cNvSpPr>
           <p:nvPr>
             <p:ph type="sldImg"/>
@@ -3708,7 +3708,7 @@
         <p:nvSpPr>
           <p:cNvPr id="72706" name="Rectangle 1"/>
           <p:cNvSpPr>
-            <a:spLocks noChangeArrowheads="1" noTextEdit="1"/>
+            <a:spLocks noGrp="1" noRot="1" noChangeAspect="1" noChangeArrowheads="1" noTextEdit="1"/>
           </p:cNvSpPr>
           <p:nvPr>
             <p:ph type="sldImg"/>
@@ -3838,7 +3838,7 @@
         <p:nvSpPr>
           <p:cNvPr id="73730" name="Rectangle 1"/>
           <p:cNvSpPr>
-            <a:spLocks noChangeArrowheads="1" noTextEdit="1"/>
+            <a:spLocks noGrp="1" noRot="1" noChangeAspect="1" noChangeArrowheads="1" noTextEdit="1"/>
           </p:cNvSpPr>
           <p:nvPr>
             <p:ph type="sldImg"/>
@@ -3968,7 +3968,7 @@
         <p:nvSpPr>
           <p:cNvPr id="74754" name="Rectangle 1"/>
           <p:cNvSpPr>
-            <a:spLocks noChangeArrowheads="1" noTextEdit="1"/>
+            <a:spLocks noGrp="1" noRot="1" noChangeAspect="1" noChangeArrowheads="1" noTextEdit="1"/>
           </p:cNvSpPr>
           <p:nvPr>
             <p:ph type="sldImg"/>
@@ -4098,7 +4098,7 @@
         <p:nvSpPr>
           <p:cNvPr id="75778" name="Rectangle 1"/>
           <p:cNvSpPr>
-            <a:spLocks noChangeArrowheads="1" noTextEdit="1"/>
+            <a:spLocks noGrp="1" noRot="1" noChangeAspect="1" noChangeArrowheads="1" noTextEdit="1"/>
           </p:cNvSpPr>
           <p:nvPr>
             <p:ph type="sldImg"/>
@@ -4228,7 +4228,7 @@
         <p:nvSpPr>
           <p:cNvPr id="76802" name="Rectangle 1"/>
           <p:cNvSpPr>
-            <a:spLocks noChangeArrowheads="1" noTextEdit="1"/>
+            <a:spLocks noGrp="1" noRot="1" noChangeAspect="1" noChangeArrowheads="1" noTextEdit="1"/>
           </p:cNvSpPr>
           <p:nvPr>
             <p:ph type="sldImg"/>
@@ -4358,7 +4358,7 @@
         <p:nvSpPr>
           <p:cNvPr id="77826" name="Rectangle 1"/>
           <p:cNvSpPr>
-            <a:spLocks noChangeArrowheads="1" noTextEdit="1"/>
+            <a:spLocks noGrp="1" noRot="1" noChangeAspect="1" noChangeArrowheads="1" noTextEdit="1"/>
           </p:cNvSpPr>
           <p:nvPr>
             <p:ph type="sldImg"/>
@@ -4488,7 +4488,7 @@
         <p:nvSpPr>
           <p:cNvPr id="78850" name="Rectangle 1"/>
           <p:cNvSpPr>
-            <a:spLocks noChangeArrowheads="1" noTextEdit="1"/>
+            <a:spLocks noGrp="1" noRot="1" noChangeAspect="1" noChangeArrowheads="1" noTextEdit="1"/>
           </p:cNvSpPr>
           <p:nvPr>
             <p:ph type="sldImg"/>
@@ -4618,7 +4618,7 @@
         <p:nvSpPr>
           <p:cNvPr id="45058" name="Rectangle 1"/>
           <p:cNvSpPr>
-            <a:spLocks noChangeArrowheads="1" noTextEdit="1"/>
+            <a:spLocks noGrp="1" noRot="1" noChangeAspect="1" noChangeArrowheads="1" noTextEdit="1"/>
           </p:cNvSpPr>
           <p:nvPr>
             <p:ph type="sldImg"/>
@@ -4748,7 +4748,7 @@
         <p:nvSpPr>
           <p:cNvPr id="46082" name="Rectangle 1"/>
           <p:cNvSpPr>
-            <a:spLocks noChangeArrowheads="1" noTextEdit="1"/>
+            <a:spLocks noGrp="1" noRot="1" noChangeAspect="1" noChangeArrowheads="1" noTextEdit="1"/>
           </p:cNvSpPr>
           <p:nvPr>
             <p:ph type="sldImg"/>
@@ -4878,7 +4878,7 @@
         <p:nvSpPr>
           <p:cNvPr id="47106" name="Rectangle 1"/>
           <p:cNvSpPr>
-            <a:spLocks noChangeArrowheads="1" noTextEdit="1"/>
+            <a:spLocks noGrp="1" noRot="1" noChangeAspect="1" noChangeArrowheads="1" noTextEdit="1"/>
           </p:cNvSpPr>
           <p:nvPr>
             <p:ph type="sldImg"/>
@@ -5008,7 +5008,7 @@
         <p:nvSpPr>
           <p:cNvPr id="48130" name="Rectangle 1"/>
           <p:cNvSpPr>
-            <a:spLocks noChangeArrowheads="1" noTextEdit="1"/>
+            <a:spLocks noGrp="1" noRot="1" noChangeAspect="1" noChangeArrowheads="1" noTextEdit="1"/>
           </p:cNvSpPr>
           <p:nvPr>
             <p:ph type="sldImg"/>
@@ -5138,7 +5138,7 @@
         <p:nvSpPr>
           <p:cNvPr id="49154" name="Rectangle 1"/>
           <p:cNvSpPr>
-            <a:spLocks noChangeArrowheads="1" noTextEdit="1"/>
+            <a:spLocks noGrp="1" noRot="1" noChangeAspect="1" noChangeArrowheads="1" noTextEdit="1"/>
           </p:cNvSpPr>
           <p:nvPr>
             <p:ph type="sldImg"/>
@@ -5268,7 +5268,7 @@
         <p:nvSpPr>
           <p:cNvPr id="50178" name="Rectangle 1"/>
           <p:cNvSpPr>
-            <a:spLocks noChangeArrowheads="1" noTextEdit="1"/>
+            <a:spLocks noGrp="1" noRot="1" noChangeAspect="1" noChangeArrowheads="1" noTextEdit="1"/>
           </p:cNvSpPr>
           <p:nvPr>
             <p:ph type="sldImg"/>
@@ -14369,7 +14369,7 @@
   <p:timing>
     <p:tnLst>
       <p:par>
-        <p:cTn id="1" dur="indefinite" nodeType="tmRoot">
+        <p:cTn id="1" dur="indefinite" restart="never" nodeType="tmRoot">
           <p:childTnLst>
             <p:seq concurrent="1" nextAc="seek">
               <p:cTn id="2" dur="indefinite" nodeType="mainSeq"/>
@@ -14599,7 +14599,7 @@
   <p:timing>
     <p:tnLst>
       <p:par>
-        <p:cTn id="1" dur="indefinite" nodeType="tmRoot">
+        <p:cTn id="1" dur="indefinite" restart="never" nodeType="tmRoot">
           <p:childTnLst>
             <p:seq concurrent="1" nextAc="seek">
               <p:cTn id="2" dur="indefinite" nodeType="mainSeq"/>
@@ -14843,7 +14843,7 @@
   <p:timing>
     <p:tnLst>
       <p:par>
-        <p:cTn id="1" dur="indefinite" nodeType="tmRoot">
+        <p:cTn id="1" dur="indefinite" restart="never" nodeType="tmRoot">
           <p:childTnLst>
             <p:seq concurrent="1" nextAc="seek">
               <p:cTn id="2" dur="indefinite" nodeType="mainSeq"/>
@@ -15463,7 +15463,7 @@
   <p:timing>
     <p:tnLst>
       <p:par>
-        <p:cTn id="1" dur="indefinite" nodeType="tmRoot">
+        <p:cTn id="1" dur="indefinite" restart="never" nodeType="tmRoot">
           <p:childTnLst>
             <p:seq concurrent="1" nextAc="seek">
               <p:cTn id="2" dur="indefinite" nodeType="mainSeq"/>
@@ -16061,7 +16061,7 @@
   <p:timing>
     <p:tnLst>
       <p:par>
-        <p:cTn id="1" dur="indefinite" nodeType="tmRoot">
+        <p:cTn id="1" dur="indefinite" restart="never" nodeType="tmRoot">
           <p:childTnLst>
             <p:seq concurrent="1" nextAc="seek">
               <p:cTn id="2" dur="indefinite" nodeType="mainSeq"/>
@@ -16673,7 +16673,7 @@
   <p:timing>
     <p:tnLst>
       <p:par>
-        <p:cTn id="1" dur="indefinite" nodeType="tmRoot">
+        <p:cTn id="1" dur="indefinite" restart="never" nodeType="tmRoot">
           <p:childTnLst>
             <p:seq concurrent="1" nextAc="seek">
               <p:cTn id="2" dur="indefinite" nodeType="mainSeq"/>
@@ -17285,7 +17285,7 @@
   <p:timing>
     <p:tnLst>
       <p:par>
-        <p:cTn id="1" dur="indefinite" nodeType="tmRoot">
+        <p:cTn id="1" dur="indefinite" restart="never" nodeType="tmRoot">
           <p:childTnLst>
             <p:seq concurrent="1" nextAc="seek">
               <p:cTn id="2" dur="indefinite" nodeType="mainSeq"/>
@@ -17883,7 +17883,7 @@
   <p:timing>
     <p:tnLst>
       <p:par>
-        <p:cTn id="1" dur="indefinite" nodeType="tmRoot">
+        <p:cTn id="1" dur="indefinite" restart="never" nodeType="tmRoot">
           <p:childTnLst>
             <p:seq concurrent="1" nextAc="seek">
               <p:cTn id="2" dur="indefinite" nodeType="mainSeq"/>
@@ -18495,7 +18495,7 @@
   <p:timing>
     <p:tnLst>
       <p:par>
-        <p:cTn id="1" dur="indefinite" nodeType="tmRoot">
+        <p:cTn id="1" dur="indefinite" restart="never" nodeType="tmRoot">
           <p:childTnLst>
             <p:seq concurrent="1" nextAc="seek">
               <p:cTn id="2" dur="indefinite" nodeType="mainSeq"/>
@@ -19107,7 +19107,7 @@
   <p:timing>
     <p:tnLst>
       <p:par>
-        <p:cTn id="1" dur="indefinite" nodeType="tmRoot">
+        <p:cTn id="1" dur="indefinite" restart="never" nodeType="tmRoot">
           <p:childTnLst>
             <p:seq concurrent="1" nextAc="seek">
               <p:cTn id="2" dur="indefinite" nodeType="mainSeq"/>
@@ -19719,7 +19719,7 @@
   <p:timing>
     <p:tnLst>
       <p:par>
-        <p:cTn id="1" dur="indefinite" nodeType="tmRoot">
+        <p:cTn id="1" dur="indefinite" restart="never" nodeType="tmRoot">
           <p:childTnLst>
             <p:seq concurrent="1" nextAc="seek">
               <p:cTn id="2" dur="indefinite" nodeType="mainSeq"/>
@@ -20269,7 +20269,7 @@
           <p:nvPr/>
         </p:nvPicPr>
         <p:blipFill>
-          <a:blip r:embed="rId3">
+          <a:blip r:embed="rId3" cstate="print">
             <a:extLst>
               <a:ext uri="{28A0092B-C50C-407E-A947-70E740481C1C}">
                 <a14:useLocalDpi xmlns:a14="http://schemas.microsoft.com/office/drawing/2010/main" val="0"/>
@@ -21330,17 +21330,7 @@
                 <a:ea typeface="+mn-ea"/>
                 <a:cs typeface="+mn-cs"/>
               </a:rPr>
-              <a:t>*  </a:t>
-            </a:r>
-            <a:r>
-              <a:rPr lang="en-US" sz="1000" i="1" dirty="0">
-                <a:solidFill>
-                  <a:schemeClr val="tx1"/>
-                </a:solidFill>
-                <a:ea typeface="+mn-ea"/>
-                <a:cs typeface="+mn-cs"/>
-              </a:rPr>
-              <a:t>(note on Map&lt;K,V &gt; type domain support status).</a:t>
+              <a:t>*  (note on Map&lt;K,V &gt; type domain support status).</a:t>
             </a:r>
           </a:p>
           <a:p>
@@ -21439,7 +21429,7 @@
   <p:timing>
     <p:tnLst>
       <p:par>
-        <p:cTn id="1" dur="indefinite" nodeType="tmRoot">
+        <p:cTn id="1" dur="indefinite" restart="never" nodeType="tmRoot">
           <p:childTnLst>
             <p:seq concurrent="1" nextAc="seek">
               <p:cTn id="2" dur="indefinite" nodeType="mainSeq"/>
@@ -22485,7 +22475,7 @@
   <p:timing>
     <p:tnLst>
       <p:par>
-        <p:cTn id="1" dur="indefinite" nodeType="tmRoot">
+        <p:cTn id="1" dur="indefinite" restart="never" nodeType="tmRoot">
           <p:childTnLst>
             <p:seq concurrent="1" nextAc="seek">
               <p:cTn id="2" dur="indefinite" nodeType="mainSeq"/>
@@ -22537,505 +22527,6 @@
           <a:chExt cx="0" cy="0"/>
         </a:xfrm>
       </p:grpSpPr>
-      <p:pic>
-        <p:nvPicPr>
-          <p:cNvPr id="24578" name="Picture 1"/>
-          <p:cNvPicPr>
-            <a:picLocks noChangeAspect="1" noChangeArrowheads="1"/>
-          </p:cNvPicPr>
-          <p:nvPr/>
-        </p:nvPicPr>
-        <p:blipFill>
-          <a:blip r:embed="rId3">
-            <a:extLst>
-              <a:ext uri="{28A0092B-C50C-407E-A947-70E740481C1C}">
-                <a14:useLocalDpi xmlns:a14="http://schemas.microsoft.com/office/drawing/2010/main" val="0"/>
-              </a:ext>
-            </a:extLst>
-          </a:blip>
-          <a:srcRect l="-21989" r="-21989"/>
-          <a:stretch>
-            <a:fillRect/>
-          </a:stretch>
-        </p:blipFill>
-        <p:spPr bwMode="auto">
-          <a:xfrm>
-            <a:off x="-990600" y="1079500"/>
-            <a:ext cx="11153775" cy="5473700"/>
-          </a:xfrm>
-          <a:prstGeom prst="rect">
-            <a:avLst/>
-          </a:prstGeom>
-          <a:noFill/>
-          <a:ln>
-            <a:noFill/>
-          </a:ln>
-          <a:effectLst/>
-          <a:extLst>
-            <a:ext uri="{909E8E84-426E-40DD-AFC4-6F175D3DCCD1}">
-              <a14:hiddenFill xmlns:a14="http://schemas.microsoft.com/office/drawing/2010/main">
-                <a:blipFill dpi="0" rotWithShape="0">
-                  <a:blip/>
-                  <a:srcRect l="-21989" r="-21989"/>
-                  <a:stretch>
-                    <a:fillRect/>
-                  </a:stretch>
-                </a:blipFill>
-              </a14:hiddenFill>
-            </a:ext>
-            <a:ext uri="{91240B29-F687-4F45-9708-019B960494DF}">
-              <a14:hiddenLine xmlns:a14="http://schemas.microsoft.com/office/drawing/2010/main" w="9525">
-                <a:solidFill>
-                  <a:srgbClr val="3465A4"/>
-                </a:solidFill>
-                <a:round/>
-                <a:headEnd/>
-                <a:tailEnd/>
-              </a14:hiddenLine>
-            </a:ext>
-            <a:ext uri="{AF507438-7753-43E0-B8FC-AC1667EBCBE1}">
-              <a14:hiddenEffects xmlns:a14="http://schemas.microsoft.com/office/drawing/2010/main">
-                <a:effectLst>
-                  <a:outerShdw dist="35921" dir="2700000" algn="ctr" rotWithShape="0">
-                    <a:srgbClr val="808080"/>
-                  </a:outerShdw>
-                </a:effectLst>
-              </a14:hiddenEffects>
-            </a:ext>
-          </a:extLst>
-        </p:spPr>
-      </p:pic>
-      <p:sp>
-        <p:nvSpPr>
-          <p:cNvPr id="24579" name="Text Box 2"/>
-          <p:cNvSpPr txBox="1">
-            <a:spLocks noChangeArrowheads="1"/>
-          </p:cNvSpPr>
-          <p:nvPr/>
-        </p:nvSpPr>
-        <p:spPr bwMode="auto">
-          <a:xfrm>
-            <a:off x="609600" y="990600"/>
-            <a:ext cx="8077200" cy="5181600"/>
-          </a:xfrm>
-          <a:prstGeom prst="rect">
-            <a:avLst/>
-          </a:prstGeom>
-          <a:noFill/>
-          <a:ln>
-            <a:noFill/>
-          </a:ln>
-          <a:effectLst/>
-          <a:extLst>
-            <a:ext uri="{909E8E84-426E-40DD-AFC4-6F175D3DCCD1}">
-              <a14:hiddenFill xmlns:a14="http://schemas.microsoft.com/office/drawing/2010/main">
-                <a:solidFill>
-                  <a:srgbClr val="FFFFFF"/>
-                </a:solidFill>
-              </a14:hiddenFill>
-            </a:ext>
-            <a:ext uri="{91240B29-F687-4F45-9708-019B960494DF}">
-              <a14:hiddenLine xmlns:a14="http://schemas.microsoft.com/office/drawing/2010/main" w="9525">
-                <a:solidFill>
-                  <a:srgbClr val="3465A4"/>
-                </a:solidFill>
-                <a:round/>
-                <a:headEnd/>
-                <a:tailEnd/>
-              </a14:hiddenLine>
-            </a:ext>
-            <a:ext uri="{AF507438-7753-43E0-B8FC-AC1667EBCBE1}">
-              <a14:hiddenEffects xmlns:a14="http://schemas.microsoft.com/office/drawing/2010/main">
-                <a:effectLst>
-                  <a:outerShdw dist="35921" dir="2700000" algn="ctr" rotWithShape="0">
-                    <a:srgbClr val="808080"/>
-                  </a:outerShdw>
-                </a:effectLst>
-              </a14:hiddenEffects>
-            </a:ext>
-          </a:extLst>
-        </p:spPr>
-        <p:txBody>
-          <a:bodyPr/>
-          <a:lstStyle>
-            <a:lvl1pPr eaLnBrk="0" hangingPunct="0">
-              <a:spcBef>
-                <a:spcPts val="450"/>
-              </a:spcBef>
-              <a:tabLst>
-                <a:tab pos="0" algn="l"/>
-                <a:tab pos="447675" algn="l"/>
-                <a:tab pos="896938" algn="l"/>
-                <a:tab pos="1346200" algn="l"/>
-                <a:tab pos="1795463" algn="l"/>
-                <a:tab pos="2244725" algn="l"/>
-                <a:tab pos="2693988" algn="l"/>
-                <a:tab pos="3143250" algn="l"/>
-                <a:tab pos="3592513" algn="l"/>
-                <a:tab pos="4041775" algn="l"/>
-                <a:tab pos="4491038" algn="l"/>
-                <a:tab pos="4940300" algn="l"/>
-                <a:tab pos="5389563" algn="l"/>
-                <a:tab pos="5838825" algn="l"/>
-                <a:tab pos="6288088" algn="l"/>
-                <a:tab pos="6737350" algn="l"/>
-                <a:tab pos="7186613" algn="l"/>
-                <a:tab pos="7635875" algn="l"/>
-                <a:tab pos="8085138" algn="l"/>
-                <a:tab pos="8534400" algn="l"/>
-                <a:tab pos="8983663" algn="l"/>
-              </a:tabLst>
-              <a:defRPr>
-                <a:solidFill>
-                  <a:srgbClr val="595959"/>
-                </a:solidFill>
-                <a:latin typeface="Arial" charset="0"/>
-                <a:ea typeface="ヒラギノ角ゴ Pro W3" charset="0"/>
-                <a:cs typeface="ヒラギノ角ゴ Pro W3" charset="0"/>
-              </a:defRPr>
-            </a:lvl1pPr>
-            <a:lvl2pPr eaLnBrk="0" hangingPunct="0">
-              <a:spcBef>
-                <a:spcPts val="450"/>
-              </a:spcBef>
-              <a:tabLst>
-                <a:tab pos="0" algn="l"/>
-                <a:tab pos="447675" algn="l"/>
-                <a:tab pos="896938" algn="l"/>
-                <a:tab pos="1346200" algn="l"/>
-                <a:tab pos="1795463" algn="l"/>
-                <a:tab pos="2244725" algn="l"/>
-                <a:tab pos="2693988" algn="l"/>
-                <a:tab pos="3143250" algn="l"/>
-                <a:tab pos="3592513" algn="l"/>
-                <a:tab pos="4041775" algn="l"/>
-                <a:tab pos="4491038" algn="l"/>
-                <a:tab pos="4940300" algn="l"/>
-                <a:tab pos="5389563" algn="l"/>
-                <a:tab pos="5838825" algn="l"/>
-                <a:tab pos="6288088" algn="l"/>
-                <a:tab pos="6737350" algn="l"/>
-                <a:tab pos="7186613" algn="l"/>
-                <a:tab pos="7635875" algn="l"/>
-                <a:tab pos="8085138" algn="l"/>
-                <a:tab pos="8534400" algn="l"/>
-                <a:tab pos="8983663" algn="l"/>
-              </a:tabLst>
-              <a:defRPr>
-                <a:solidFill>
-                  <a:srgbClr val="595959"/>
-                </a:solidFill>
-                <a:latin typeface="Arial" charset="0"/>
-                <a:ea typeface="ヒラギノ角ゴ Pro W3" charset="0"/>
-                <a:cs typeface="ヒラギノ角ゴ Pro W3" charset="0"/>
-              </a:defRPr>
-            </a:lvl2pPr>
-            <a:lvl3pPr eaLnBrk="0" hangingPunct="0">
-              <a:spcBef>
-                <a:spcPts val="450"/>
-              </a:spcBef>
-              <a:tabLst>
-                <a:tab pos="0" algn="l"/>
-                <a:tab pos="447675" algn="l"/>
-                <a:tab pos="896938" algn="l"/>
-                <a:tab pos="1346200" algn="l"/>
-                <a:tab pos="1795463" algn="l"/>
-                <a:tab pos="2244725" algn="l"/>
-                <a:tab pos="2693988" algn="l"/>
-                <a:tab pos="3143250" algn="l"/>
-                <a:tab pos="3592513" algn="l"/>
-                <a:tab pos="4041775" algn="l"/>
-                <a:tab pos="4491038" algn="l"/>
-                <a:tab pos="4940300" algn="l"/>
-                <a:tab pos="5389563" algn="l"/>
-                <a:tab pos="5838825" algn="l"/>
-                <a:tab pos="6288088" algn="l"/>
-                <a:tab pos="6737350" algn="l"/>
-                <a:tab pos="7186613" algn="l"/>
-                <a:tab pos="7635875" algn="l"/>
-                <a:tab pos="8085138" algn="l"/>
-                <a:tab pos="8534400" algn="l"/>
-                <a:tab pos="8983663" algn="l"/>
-              </a:tabLst>
-              <a:defRPr>
-                <a:solidFill>
-                  <a:srgbClr val="595959"/>
-                </a:solidFill>
-                <a:latin typeface="Arial" charset="0"/>
-                <a:ea typeface="ヒラギノ角ゴ Pro W3" charset="0"/>
-                <a:cs typeface="ヒラギノ角ゴ Pro W3" charset="0"/>
-              </a:defRPr>
-            </a:lvl3pPr>
-            <a:lvl4pPr eaLnBrk="0" hangingPunct="0">
-              <a:spcBef>
-                <a:spcPts val="450"/>
-              </a:spcBef>
-              <a:tabLst>
-                <a:tab pos="0" algn="l"/>
-                <a:tab pos="447675" algn="l"/>
-                <a:tab pos="896938" algn="l"/>
-                <a:tab pos="1346200" algn="l"/>
-                <a:tab pos="1795463" algn="l"/>
-                <a:tab pos="2244725" algn="l"/>
-                <a:tab pos="2693988" algn="l"/>
-                <a:tab pos="3143250" algn="l"/>
-                <a:tab pos="3592513" algn="l"/>
-                <a:tab pos="4041775" algn="l"/>
-                <a:tab pos="4491038" algn="l"/>
-                <a:tab pos="4940300" algn="l"/>
-                <a:tab pos="5389563" algn="l"/>
-                <a:tab pos="5838825" algn="l"/>
-                <a:tab pos="6288088" algn="l"/>
-                <a:tab pos="6737350" algn="l"/>
-                <a:tab pos="7186613" algn="l"/>
-                <a:tab pos="7635875" algn="l"/>
-                <a:tab pos="8085138" algn="l"/>
-                <a:tab pos="8534400" algn="l"/>
-                <a:tab pos="8983663" algn="l"/>
-              </a:tabLst>
-              <a:defRPr>
-                <a:solidFill>
-                  <a:srgbClr val="595959"/>
-                </a:solidFill>
-                <a:latin typeface="Arial" charset="0"/>
-                <a:ea typeface="ヒラギノ角ゴ Pro W3" charset="0"/>
-                <a:cs typeface="ヒラギノ角ゴ Pro W3" charset="0"/>
-              </a:defRPr>
-            </a:lvl4pPr>
-            <a:lvl5pPr eaLnBrk="0" hangingPunct="0">
-              <a:spcBef>
-                <a:spcPts val="450"/>
-              </a:spcBef>
-              <a:tabLst>
-                <a:tab pos="0" algn="l"/>
-                <a:tab pos="447675" algn="l"/>
-                <a:tab pos="896938" algn="l"/>
-                <a:tab pos="1346200" algn="l"/>
-                <a:tab pos="1795463" algn="l"/>
-                <a:tab pos="2244725" algn="l"/>
-                <a:tab pos="2693988" algn="l"/>
-                <a:tab pos="3143250" algn="l"/>
-                <a:tab pos="3592513" algn="l"/>
-                <a:tab pos="4041775" algn="l"/>
-                <a:tab pos="4491038" algn="l"/>
-                <a:tab pos="4940300" algn="l"/>
-                <a:tab pos="5389563" algn="l"/>
-                <a:tab pos="5838825" algn="l"/>
-                <a:tab pos="6288088" algn="l"/>
-                <a:tab pos="6737350" algn="l"/>
-                <a:tab pos="7186613" algn="l"/>
-                <a:tab pos="7635875" algn="l"/>
-                <a:tab pos="8085138" algn="l"/>
-                <a:tab pos="8534400" algn="l"/>
-                <a:tab pos="8983663" algn="l"/>
-              </a:tabLst>
-              <a:defRPr>
-                <a:solidFill>
-                  <a:srgbClr val="595959"/>
-                </a:solidFill>
-                <a:latin typeface="Arial" charset="0"/>
-                <a:ea typeface="ヒラギノ角ゴ Pro W3" charset="0"/>
-                <a:cs typeface="ヒラギノ角ゴ Pro W3" charset="0"/>
-              </a:defRPr>
-            </a:lvl5pPr>
-            <a:lvl6pPr marL="2514600" indent="-228600" defTabSz="449263" eaLnBrk="0" fontAlgn="base" hangingPunct="0">
-              <a:spcBef>
-                <a:spcPts val="450"/>
-              </a:spcBef>
-              <a:spcAft>
-                <a:spcPct val="0"/>
-              </a:spcAft>
-              <a:buClr>
-                <a:srgbClr val="000000"/>
-              </a:buClr>
-              <a:buSzPct val="100000"/>
-              <a:buFont typeface="Times New Roman" pitchFamily="16" charset="0"/>
-              <a:tabLst>
-                <a:tab pos="0" algn="l"/>
-                <a:tab pos="447675" algn="l"/>
-                <a:tab pos="896938" algn="l"/>
-                <a:tab pos="1346200" algn="l"/>
-                <a:tab pos="1795463" algn="l"/>
-                <a:tab pos="2244725" algn="l"/>
-                <a:tab pos="2693988" algn="l"/>
-                <a:tab pos="3143250" algn="l"/>
-                <a:tab pos="3592513" algn="l"/>
-                <a:tab pos="4041775" algn="l"/>
-                <a:tab pos="4491038" algn="l"/>
-                <a:tab pos="4940300" algn="l"/>
-                <a:tab pos="5389563" algn="l"/>
-                <a:tab pos="5838825" algn="l"/>
-                <a:tab pos="6288088" algn="l"/>
-                <a:tab pos="6737350" algn="l"/>
-                <a:tab pos="7186613" algn="l"/>
-                <a:tab pos="7635875" algn="l"/>
-                <a:tab pos="8085138" algn="l"/>
-                <a:tab pos="8534400" algn="l"/>
-                <a:tab pos="8983663" algn="l"/>
-              </a:tabLst>
-              <a:defRPr>
-                <a:solidFill>
-                  <a:srgbClr val="595959"/>
-                </a:solidFill>
-                <a:latin typeface="Arial" charset="0"/>
-                <a:ea typeface="ヒラギノ角ゴ Pro W3" charset="0"/>
-                <a:cs typeface="ヒラギノ角ゴ Pro W3" charset="0"/>
-              </a:defRPr>
-            </a:lvl6pPr>
-            <a:lvl7pPr marL="2971800" indent="-228600" defTabSz="449263" eaLnBrk="0" fontAlgn="base" hangingPunct="0">
-              <a:spcBef>
-                <a:spcPts val="450"/>
-              </a:spcBef>
-              <a:spcAft>
-                <a:spcPct val="0"/>
-              </a:spcAft>
-              <a:buClr>
-                <a:srgbClr val="000000"/>
-              </a:buClr>
-              <a:buSzPct val="100000"/>
-              <a:buFont typeface="Times New Roman" pitchFamily="16" charset="0"/>
-              <a:tabLst>
-                <a:tab pos="0" algn="l"/>
-                <a:tab pos="447675" algn="l"/>
-                <a:tab pos="896938" algn="l"/>
-                <a:tab pos="1346200" algn="l"/>
-                <a:tab pos="1795463" algn="l"/>
-                <a:tab pos="2244725" algn="l"/>
-                <a:tab pos="2693988" algn="l"/>
-                <a:tab pos="3143250" algn="l"/>
-                <a:tab pos="3592513" algn="l"/>
-                <a:tab pos="4041775" algn="l"/>
-                <a:tab pos="4491038" algn="l"/>
-                <a:tab pos="4940300" algn="l"/>
-                <a:tab pos="5389563" algn="l"/>
-                <a:tab pos="5838825" algn="l"/>
-                <a:tab pos="6288088" algn="l"/>
-                <a:tab pos="6737350" algn="l"/>
-                <a:tab pos="7186613" algn="l"/>
-                <a:tab pos="7635875" algn="l"/>
-                <a:tab pos="8085138" algn="l"/>
-                <a:tab pos="8534400" algn="l"/>
-                <a:tab pos="8983663" algn="l"/>
-              </a:tabLst>
-              <a:defRPr>
-                <a:solidFill>
-                  <a:srgbClr val="595959"/>
-                </a:solidFill>
-                <a:latin typeface="Arial" charset="0"/>
-                <a:ea typeface="ヒラギノ角ゴ Pro W3" charset="0"/>
-                <a:cs typeface="ヒラギノ角ゴ Pro W3" charset="0"/>
-              </a:defRPr>
-            </a:lvl7pPr>
-            <a:lvl8pPr marL="3429000" indent="-228600" defTabSz="449263" eaLnBrk="0" fontAlgn="base" hangingPunct="0">
-              <a:spcBef>
-                <a:spcPts val="450"/>
-              </a:spcBef>
-              <a:spcAft>
-                <a:spcPct val="0"/>
-              </a:spcAft>
-              <a:buClr>
-                <a:srgbClr val="000000"/>
-              </a:buClr>
-              <a:buSzPct val="100000"/>
-              <a:buFont typeface="Times New Roman" pitchFamily="16" charset="0"/>
-              <a:tabLst>
-                <a:tab pos="0" algn="l"/>
-                <a:tab pos="447675" algn="l"/>
-                <a:tab pos="896938" algn="l"/>
-                <a:tab pos="1346200" algn="l"/>
-                <a:tab pos="1795463" algn="l"/>
-                <a:tab pos="2244725" algn="l"/>
-                <a:tab pos="2693988" algn="l"/>
-                <a:tab pos="3143250" algn="l"/>
-                <a:tab pos="3592513" algn="l"/>
-                <a:tab pos="4041775" algn="l"/>
-                <a:tab pos="4491038" algn="l"/>
-                <a:tab pos="4940300" algn="l"/>
-                <a:tab pos="5389563" algn="l"/>
-                <a:tab pos="5838825" algn="l"/>
-                <a:tab pos="6288088" algn="l"/>
-                <a:tab pos="6737350" algn="l"/>
-                <a:tab pos="7186613" algn="l"/>
-                <a:tab pos="7635875" algn="l"/>
-                <a:tab pos="8085138" algn="l"/>
-                <a:tab pos="8534400" algn="l"/>
-                <a:tab pos="8983663" algn="l"/>
-              </a:tabLst>
-              <a:defRPr>
-                <a:solidFill>
-                  <a:srgbClr val="595959"/>
-                </a:solidFill>
-                <a:latin typeface="Arial" charset="0"/>
-                <a:ea typeface="ヒラギノ角ゴ Pro W3" charset="0"/>
-                <a:cs typeface="ヒラギノ角ゴ Pro W3" charset="0"/>
-              </a:defRPr>
-            </a:lvl8pPr>
-            <a:lvl9pPr marL="3886200" indent="-228600" defTabSz="449263" eaLnBrk="0" fontAlgn="base" hangingPunct="0">
-              <a:spcBef>
-                <a:spcPts val="450"/>
-              </a:spcBef>
-              <a:spcAft>
-                <a:spcPct val="0"/>
-              </a:spcAft>
-              <a:buClr>
-                <a:srgbClr val="000000"/>
-              </a:buClr>
-              <a:buSzPct val="100000"/>
-              <a:buFont typeface="Times New Roman" pitchFamily="16" charset="0"/>
-              <a:tabLst>
-                <a:tab pos="0" algn="l"/>
-                <a:tab pos="447675" algn="l"/>
-                <a:tab pos="896938" algn="l"/>
-                <a:tab pos="1346200" algn="l"/>
-                <a:tab pos="1795463" algn="l"/>
-                <a:tab pos="2244725" algn="l"/>
-                <a:tab pos="2693988" algn="l"/>
-                <a:tab pos="3143250" algn="l"/>
-                <a:tab pos="3592513" algn="l"/>
-                <a:tab pos="4041775" algn="l"/>
-                <a:tab pos="4491038" algn="l"/>
-                <a:tab pos="4940300" algn="l"/>
-                <a:tab pos="5389563" algn="l"/>
-                <a:tab pos="5838825" algn="l"/>
-                <a:tab pos="6288088" algn="l"/>
-                <a:tab pos="6737350" algn="l"/>
-                <a:tab pos="7186613" algn="l"/>
-                <a:tab pos="7635875" algn="l"/>
-                <a:tab pos="8085138" algn="l"/>
-                <a:tab pos="8534400" algn="l"/>
-                <a:tab pos="8983663" algn="l"/>
-              </a:tabLst>
-              <a:defRPr>
-                <a:solidFill>
-                  <a:srgbClr val="595959"/>
-                </a:solidFill>
-                <a:latin typeface="Arial" charset="0"/>
-                <a:ea typeface="ヒラギノ角ゴ Pro W3" charset="0"/>
-                <a:cs typeface="ヒラギノ角ゴ Pro W3" charset="0"/>
-              </a:defRPr>
-            </a:lvl9pPr>
-          </a:lstStyle>
-          <a:p>
-            <a:pPr eaLnBrk="1" hangingPunct="1">
-              <a:buClrTx/>
-              <a:buFontTx/>
-              <a:buNone/>
-            </a:pPr>
-            <a:r>
-              <a:rPr lang="en-US" altLang="en-US" sz="1800" b="1"/>
-              <a:t>SharedHashMap -Xmx256m -Xmn200m -verbose:gc</a:t>
-            </a:r>
-          </a:p>
-          <a:p>
-            <a:pPr eaLnBrk="1" hangingPunct="1">
-              <a:buClrTx/>
-              <a:buFontTx/>
-              <a:buNone/>
-            </a:pPr>
-            <a:endParaRPr lang="en-US" altLang="en-US" sz="1800" b="1"/>
-          </a:p>
-        </p:txBody>
-      </p:sp>
       <p:sp>
         <p:nvSpPr>
           <p:cNvPr id="24580" name="Text Box 3"/>
@@ -23456,20 +22947,20 @@
               <a:buNone/>
             </a:pPr>
             <a:r>
-              <a:rPr lang="en-GB" altLang="en-US" sz="1600" b="1"/>
+              <a:rPr lang="en-GB" altLang="en-US" sz="1600" b="1" dirty="0"/>
               <a:t>Performance Results: CHM vs. SHM</a:t>
             </a:r>
             <a:br>
-              <a:rPr lang="en-GB" altLang="en-US" sz="1600" b="1"/>
+              <a:rPr lang="en-GB" altLang="en-US" sz="1600" b="1" dirty="0"/>
             </a:br>
             <a:r>
-              <a:rPr lang="en-GB" altLang="en-US" sz="1600"/>
+              <a:rPr lang="en-GB" altLang="en-US" sz="1600" dirty="0"/>
               <a:t>On Linux 14.04, dual E5-2650 v2 @ 2.60GHz, 128 GB memory, each entry updated 32 times.</a:t>
             </a:r>
             <a:br>
-              <a:rPr lang="en-GB" altLang="en-US" sz="1600"/>
+              <a:rPr lang="en-GB" altLang="en-US" sz="1600" dirty="0"/>
             </a:br>
-            <a:endParaRPr lang="en-GB" altLang="en-US" sz="1600"/>
+            <a:endParaRPr lang="en-GB" altLang="en-US" sz="1600" dirty="0"/>
           </a:p>
         </p:txBody>
       </p:sp>
@@ -23530,6 +23021,138 @@
           </a:p>
         </p:txBody>
       </p:sp>
+      <p:sp>
+        <p:nvSpPr>
+          <p:cNvPr id="2" name="AutoShape 2" descr="imap://bendcotton%40gmail%2Ecom@imap.googlemail.com:993/fetch%3EUID%3E/INBOX%3E80027?part=1.2&amp;type=image/jpeg&amp;filename=Slide-22_v2.jpg"/>
+          <p:cNvSpPr>
+            <a:spLocks noChangeAspect="1" noChangeArrowheads="1"/>
+          </p:cNvSpPr>
+          <p:nvPr/>
+        </p:nvSpPr>
+        <p:spPr bwMode="auto">
+          <a:xfrm>
+            <a:off x="155575" y="-144463"/>
+            <a:ext cx="304800" cy="304801"/>
+          </a:xfrm>
+          <a:prstGeom prst="rect">
+            <a:avLst/>
+          </a:prstGeom>
+          <a:noFill/>
+          <a:extLst>
+            <a:ext uri="{909E8E84-426E-40DD-AFC4-6F175D3DCCD1}">
+              <a14:hiddenFill xmlns:a14="http://schemas.microsoft.com/office/drawing/2010/main">
+                <a:solidFill>
+                  <a:srgbClr val="FFFFFF"/>
+                </a:solidFill>
+              </a14:hiddenFill>
+            </a:ext>
+          </a:extLst>
+        </p:spPr>
+        <p:txBody>
+          <a:bodyPr vert="horz" wrap="square" lIns="91440" tIns="45720" rIns="91440" bIns="45720" numCol="1" anchor="t" anchorCtr="0" compatLnSpc="1">
+            <a:prstTxWarp prst="textNoShape">
+              <a:avLst/>
+            </a:prstTxWarp>
+          </a:bodyPr>
+          <a:lstStyle/>
+          <a:p>
+            <a:endParaRPr lang="en-US"/>
+          </a:p>
+        </p:txBody>
+      </p:sp>
+      <p:sp>
+        <p:nvSpPr>
+          <p:cNvPr id="3" name="AutoShape 4" descr="imap://bendcotton%40gmail%2Ecom@imap.googlemail.com:993/fetch%3EUID%3E/INBOX%3E80027?part=1.2&amp;type=image/jpeg&amp;filename=Slide-22_v2.jpg"/>
+          <p:cNvSpPr>
+            <a:spLocks noChangeAspect="1" noChangeArrowheads="1"/>
+          </p:cNvSpPr>
+          <p:nvPr/>
+        </p:nvSpPr>
+        <p:spPr bwMode="auto">
+          <a:xfrm>
+            <a:off x="307975" y="7937"/>
+            <a:ext cx="304800" cy="304801"/>
+          </a:xfrm>
+          <a:prstGeom prst="rect">
+            <a:avLst/>
+          </a:prstGeom>
+          <a:noFill/>
+          <a:extLst>
+            <a:ext uri="{909E8E84-426E-40DD-AFC4-6F175D3DCCD1}">
+              <a14:hiddenFill xmlns:a14="http://schemas.microsoft.com/office/drawing/2010/main">
+                <a:solidFill>
+                  <a:srgbClr val="FFFFFF"/>
+                </a:solidFill>
+              </a14:hiddenFill>
+            </a:ext>
+          </a:extLst>
+        </p:spPr>
+        <p:txBody>
+          <a:bodyPr vert="horz" wrap="square" lIns="91440" tIns="45720" rIns="91440" bIns="45720" numCol="1" anchor="t" anchorCtr="0" compatLnSpc="1">
+            <a:prstTxWarp prst="textNoShape">
+              <a:avLst/>
+            </a:prstTxWarp>
+          </a:bodyPr>
+          <a:lstStyle/>
+          <a:p>
+            <a:endParaRPr lang="en-US"/>
+          </a:p>
+        </p:txBody>
+      </p:sp>
+      <p:pic>
+        <p:nvPicPr>
+          <p:cNvPr id="1029" name="Picture 5"/>
+          <p:cNvPicPr>
+            <a:picLocks noChangeAspect="1" noChangeArrowheads="1"/>
+          </p:cNvPicPr>
+          <p:nvPr/>
+        </p:nvPicPr>
+        <p:blipFill>
+          <a:blip r:embed="rId3">
+            <a:extLst>
+              <a:ext uri="{28A0092B-C50C-407E-A947-70E740481C1C}">
+                <a14:useLocalDpi xmlns:a14="http://schemas.microsoft.com/office/drawing/2010/main" val="0"/>
+              </a:ext>
+            </a:extLst>
+          </a:blip>
+          <a:srcRect/>
+          <a:stretch>
+            <a:fillRect/>
+          </a:stretch>
+        </p:blipFill>
+        <p:spPr bwMode="auto">
+          <a:xfrm>
+            <a:off x="472407" y="685800"/>
+            <a:ext cx="8020050" cy="5667375"/>
+          </a:xfrm>
+          <a:prstGeom prst="rect">
+            <a:avLst/>
+          </a:prstGeom>
+          <a:noFill/>
+          <a:ln>
+            <a:noFill/>
+          </a:ln>
+          <a:extLst>
+            <a:ext uri="{909E8E84-426E-40DD-AFC4-6F175D3DCCD1}">
+              <a14:hiddenFill xmlns:a14="http://schemas.microsoft.com/office/drawing/2010/main">
+                <a:solidFill>
+                  <a:schemeClr val="accent1"/>
+                </a:solidFill>
+              </a14:hiddenFill>
+            </a:ext>
+            <a:ext uri="{91240B29-F687-4F45-9708-019B960494DF}">
+              <a14:hiddenLine xmlns:a14="http://schemas.microsoft.com/office/drawing/2010/main" w="9525">
+                <a:solidFill>
+                  <a:schemeClr val="tx1"/>
+                </a:solidFill>
+                <a:miter lim="800000"/>
+                <a:headEnd/>
+                <a:tailEnd/>
+              </a14:hiddenLine>
+            </a:ext>
+          </a:extLst>
+        </p:spPr>
+      </p:pic>
     </p:spTree>
   </p:cSld>
   <p:clrMapOvr>
@@ -23539,7 +23162,7 @@
   <p:timing>
     <p:tnLst>
       <p:par>
-        <p:cTn id="1" dur="indefinite" nodeType="tmRoot">
+        <p:cTn id="1" dur="indefinite" restart="never" nodeType="tmRoot">
           <p:childTnLst>
             <p:seq concurrent="1" nextAc="seek">
               <p:cTn id="2" dur="indefinite" nodeType="mainSeq"/>
@@ -24277,7 +23900,7 @@
   <p:timing>
     <p:tnLst>
       <p:par>
-        <p:cTn id="1" dur="indefinite" nodeType="tmRoot">
+        <p:cTn id="1" dur="indefinite" restart="never" nodeType="tmRoot">
           <p:childTnLst>
             <p:seq concurrent="1" nextAc="seek">
               <p:cTn id="2" dur="indefinite" nodeType="mainSeq"/>
@@ -25082,7 +24705,7 @@
   <p:timing>
     <p:tnLst>
       <p:par>
-        <p:cTn id="1" dur="indefinite" nodeType="tmRoot">
+        <p:cTn id="1" dur="indefinite" restart="never" nodeType="tmRoot">
           <p:childTnLst>
             <p:seq concurrent="1" nextAc="seek">
               <p:cTn id="2" dur="indefinite" nodeType="mainSeq"/>
@@ -26213,7 +25836,7 @@
   <p:timing>
     <p:tnLst>
       <p:par>
-        <p:cTn id="1" dur="indefinite" nodeType="tmRoot">
+        <p:cTn id="1" dur="indefinite" restart="never" nodeType="tmRoot">
           <p:childTnLst>
             <p:seq concurrent="1" nextAc="seek">
               <p:cTn id="2" dur="indefinite" nodeType="mainSeq"/>
@@ -26825,7 +26448,7 @@
   <p:timing>
     <p:tnLst>
       <p:par>
-        <p:cTn id="1" dur="indefinite" nodeType="tmRoot">
+        <p:cTn id="1" dur="indefinite" restart="never" nodeType="tmRoot">
           <p:childTnLst>
             <p:seq concurrent="1" nextAc="seek">
               <p:cTn id="2" dur="indefinite" nodeType="mainSeq"/>
@@ -27429,7 +27052,7 @@
   <p:timing>
     <p:tnLst>
       <p:par>
-        <p:cTn id="1" dur="indefinite" nodeType="tmRoot">
+        <p:cTn id="1" dur="indefinite" restart="never" nodeType="tmRoot">
           <p:childTnLst>
             <p:seq concurrent="1" nextAc="seek">
               <p:cTn id="2" dur="indefinite" nodeType="mainSeq"/>
@@ -28033,7 +27656,7 @@
   <p:timing>
     <p:tnLst>
       <p:par>
-        <p:cTn id="1" dur="indefinite" nodeType="tmRoot">
+        <p:cTn id="1" dur="indefinite" restart="never" nodeType="tmRoot">
           <p:childTnLst>
             <p:seq concurrent="1" nextAc="seek">
               <p:cTn id="2" dur="indefinite" nodeType="mainSeq"/>
@@ -29076,7 +28699,7 @@
   <p:timing>
     <p:tnLst>
       <p:par>
-        <p:cTn id="1" dur="indefinite" nodeType="tmRoot">
+        <p:cTn id="1" dur="indefinite" restart="never" nodeType="tmRoot">
           <p:childTnLst>
             <p:seq concurrent="1" nextAc="seek">
               <p:cTn id="2" dur="indefinite" nodeType="mainSeq"/>
@@ -31137,7 +30760,7 @@
   <p:timing>
     <p:tnLst>
       <p:par>
-        <p:cTn id="1" dur="indefinite" nodeType="tmRoot">
+        <p:cTn id="1" dur="indefinite" restart="never" nodeType="tmRoot">
           <p:childTnLst>
             <p:seq concurrent="1" nextAc="seek">
               <p:cTn id="2" dur="indefinite" nodeType="mainSeq"/>
@@ -33055,7 +32678,7 @@
   <p:timing>
     <p:tnLst>
       <p:par>
-        <p:cTn id="1" dur="indefinite" nodeType="tmRoot">
+        <p:cTn id="1" dur="indefinite" restart="never" nodeType="tmRoot">
           <p:childTnLst>
             <p:seq concurrent="1" nextAc="seek">
               <p:cTn id="2" dur="indefinite" nodeType="mainSeq"/>
@@ -34335,7 +33958,7 @@
   <p:timing>
     <p:tnLst>
       <p:par>
-        <p:cTn id="1" dur="indefinite" nodeType="tmRoot">
+        <p:cTn id="1" dur="indefinite" restart="never" nodeType="tmRoot">
           <p:childTnLst>
             <p:seq concurrent="1" nextAc="seek">
               <p:cTn id="2" dur="indefinite" nodeType="mainSeq"/>
@@ -35661,7 +35284,7 @@
   <p:timing>
     <p:tnLst>
       <p:par>
-        <p:cTn id="1" dur="indefinite" nodeType="tmRoot">
+        <p:cTn id="1" dur="indefinite" restart="never" nodeType="tmRoot">
           <p:childTnLst>
             <p:seq concurrent="1" nextAc="seek">
               <p:cTn id="2" dur="indefinite" nodeType="mainSeq"/>
@@ -36273,7 +35896,7 @@
   <p:timing>
     <p:tnLst>
       <p:par>
-        <p:cTn id="1" dur="indefinite" nodeType="tmRoot">
+        <p:cTn id="1" dur="indefinite" restart="never" nodeType="tmRoot">
           <p:childTnLst>
             <p:seq concurrent="1" nextAc="seek">
               <p:cTn id="2" dur="indefinite" nodeType="mainSeq"/>
@@ -37742,7 +37365,7 @@
   <p:timing>
     <p:tnLst>
       <p:par>
-        <p:cTn id="1" dur="indefinite" nodeType="tmRoot">
+        <p:cTn id="1" dur="indefinite" restart="never" nodeType="tmRoot">
           <p:childTnLst>
             <p:seq concurrent="1" nextAc="seek">
               <p:cTn id="2" dur="indefinite" nodeType="mainSeq"/>
@@ -38354,7 +37977,7 @@
   <p:timing>
     <p:tnLst>
       <p:par>
-        <p:cTn id="1" dur="indefinite" nodeType="tmRoot">
+        <p:cTn id="1" dur="indefinite" restart="never" nodeType="tmRoot">
           <p:childTnLst>
             <p:seq concurrent="1" nextAc="seek">
               <p:cTn id="2" dur="indefinite" nodeType="mainSeq"/>
@@ -39191,7 +38814,7 @@
   <p:timing>
     <p:tnLst>
       <p:par>
-        <p:cTn id="1" dur="indefinite" nodeType="tmRoot">
+        <p:cTn id="1" dur="indefinite" restart="never" nodeType="tmRoot">
           <p:childTnLst>
             <p:seq concurrent="1" nextAc="seek">
               <p:cTn id="2" dur="indefinite" nodeType="mainSeq"/>
@@ -40738,7 +40361,7 @@
   <p:timing>
     <p:tnLst>
       <p:par>
-        <p:cTn id="1" dur="indefinite" nodeType="tmRoot">
+        <p:cTn id="1" dur="indefinite" restart="never" nodeType="tmRoot">
           <p:childTnLst>
             <p:seq concurrent="1" nextAc="seek">
               <p:cTn id="2" dur="indefinite" nodeType="mainSeq"/>
@@ -41952,7 +41575,7 @@
   <p:timing>
     <p:tnLst>
       <p:par>
-        <p:cTn id="1" dur="indefinite" nodeType="tmRoot">
+        <p:cTn id="1" dur="indefinite" restart="never" nodeType="tmRoot">
           <p:childTnLst>
             <p:seq concurrent="1" nextAc="seek">
               <p:cTn id="2" dur="indefinite" nodeType="mainSeq"/>
@@ -43273,7 +42896,7 @@
   <p:timing>
     <p:tnLst>
       <p:par>
-        <p:cTn id="1" dur="indefinite" nodeType="tmRoot">
+        <p:cTn id="1" dur="indefinite" restart="never" nodeType="tmRoot">
           <p:childTnLst>
             <p:seq concurrent="1" nextAc="seek">
               <p:cTn id="2" dur="indefinite" nodeType="mainSeq"/>
@@ -44433,7 +44056,7 @@
   <p:timing>
     <p:tnLst>
       <p:par>
-        <p:cTn id="1" dur="indefinite" nodeType="tmRoot">
+        <p:cTn id="1" dur="indefinite" restart="never" nodeType="tmRoot">
           <p:childTnLst>
             <p:seq concurrent="1" nextAc="seek">
               <p:cTn id="2" dur="indefinite" nodeType="mainSeq"/>
@@ -45531,7 +45154,7 @@
   <p:timing>
     <p:tnLst>
       <p:par>
-        <p:cTn id="1" dur="indefinite" nodeType="tmRoot">
+        <p:cTn id="1" dur="indefinite" restart="never" nodeType="tmRoot">
           <p:childTnLst>
             <p:seq concurrent="1" nextAc="seek">
               <p:cTn id="2" dur="indefinite" nodeType="mainSeq"/>
@@ -46143,7 +45766,7 @@
   <p:timing>
     <p:tnLst>
       <p:par>
-        <p:cTn id="1" dur="indefinite" nodeType="tmRoot">
+        <p:cTn id="1" dur="indefinite" restart="never" nodeType="tmRoot">
           <p:childTnLst>
             <p:seq concurrent="1" nextAc="seek">
               <p:cTn id="2" dur="indefinite" nodeType="mainSeq"/>
@@ -46741,7 +46364,7 @@
   <p:timing>
     <p:tnLst>
       <p:par>
-        <p:cTn id="1" dur="indefinite" nodeType="tmRoot">
+        <p:cTn id="1" dur="indefinite" restart="never" nodeType="tmRoot">
           <p:childTnLst>
             <p:seq concurrent="1" nextAc="seek">
               <p:cTn id="2" dur="indefinite" nodeType="mainSeq"/>

--- a/doc/Ben-Peter-Sarah-UPDATED=_HaZelcast-2015-JAN-27_PRES.pptx
+++ b/doc/Ben-Peter-Sarah-UPDATED=_HaZelcast-2015-JAN-27_PRES.pptx
@@ -13542,7 +13542,7 @@
         <p:spPr bwMode="auto">
           <a:xfrm>
             <a:off x="457200" y="5921375"/>
-            <a:ext cx="3048000" cy="914400"/>
+            <a:ext cx="3429000" cy="914400"/>
           </a:xfrm>
           <a:prstGeom prst="rect">
             <a:avLst/>
@@ -13936,14 +13936,63 @@
               <a:buNone/>
             </a:pPr>
             <a:r>
-              <a:rPr lang="en-US" altLang="en-US" sz="1800">
-                <a:solidFill>
-                  <a:srgbClr val="595959"/>
+              <a:rPr lang="en-US" altLang="en-US" sz="1800" dirty="0" smtClean="0">
+                <a:solidFill>
+                  <a:schemeClr val="tx1">
+                    <a:lumMod val="65000"/>
+                    <a:lumOff val="35000"/>
+                  </a:schemeClr>
                 </a:solidFill>
                 <a:cs typeface="Arial" charset="0"/>
               </a:rPr>
-              <a:t>Ben.Cotton@jpmorgan.com</a:t>
+              <a:t>b</a:t>
             </a:r>
+            <a:r>
+              <a:rPr lang="en-US" altLang="en-US" sz="1800" dirty="0" smtClean="0">
+                <a:solidFill>
+                  <a:schemeClr val="tx1">
+                    <a:lumMod val="65000"/>
+                    <a:lumOff val="35000"/>
+                  </a:schemeClr>
+                </a:solidFill>
+                <a:cs typeface="Arial" charset="0"/>
+              </a:rPr>
+              <a:t>en.cotton@jpmorgan.com</a:t>
+            </a:r>
+            <a:endParaRPr lang="en-US" altLang="en-US" sz="1800" dirty="0">
+              <a:solidFill>
+                <a:schemeClr val="tx1">
+                  <a:lumMod val="65000"/>
+                  <a:lumOff val="35000"/>
+                </a:schemeClr>
+              </a:solidFill>
+              <a:cs typeface="Arial" charset="0"/>
+            </a:endParaRPr>
+          </a:p>
+          <a:p>
+            <a:pPr eaLnBrk="1" hangingPunct="1">
+              <a:spcBef>
+                <a:spcPts val="450"/>
+              </a:spcBef>
+              <a:buClrTx/>
+              <a:buFontTx/>
+              <a:buNone/>
+            </a:pPr>
+            <a:r>
+              <a:rPr lang="en-US" altLang="en-US" sz="1800" dirty="0" smtClean="0">
+                <a:solidFill>
+                  <a:srgbClr val="595959"/>
+                </a:solidFill>
+                <a:cs typeface="Arial" charset="0"/>
+              </a:rPr>
+              <a:t>ben.cotton@alumni.rutgers.edu </a:t>
+            </a:r>
+            <a:endParaRPr lang="en-US" altLang="en-US" sz="1800" dirty="0">
+              <a:solidFill>
+                <a:srgbClr val="595959"/>
+              </a:solidFill>
+              <a:cs typeface="Arial" charset="0"/>
+            </a:endParaRPr>
           </a:p>
         </p:txBody>
       </p:sp>
